--- a/1st delivery/Marcucci Matarazzo Morenzetti-P1-16-05-2016-DesignDocument.pptx
+++ b/1st delivery/Marcucci Matarazzo Morenzetti-P1-16-05-2016-DesignDocument.pptx
@@ -228,7 +228,7 @@
           <a:p>
             <a:fld id="{18726BBF-D628-43A5-9870-AD3D1F844C2C}" type="datetimeFigureOut">
               <a:rPr lang="it-IT" smtClean="0"/>
-              <a:t>13/05/2016</a:t>
+              <a:t>16/05/2016</a:t>
             </a:fld>
             <a:endParaRPr lang="it-IT"/>
           </a:p>
@@ -398,7 +398,7 @@
           <a:p>
             <a:fld id="{51EC9344-52F1-48B5-A731-0BE7C59899F1}" type="datetimeFigureOut">
               <a:rPr lang="it-IT" smtClean="0"/>
-              <a:t>13/05/2016</a:t>
+              <a:t>16/05/2016</a:t>
             </a:fld>
             <a:endParaRPr lang="it-IT"/>
           </a:p>
@@ -1021,7 +1021,7 @@
           <a:p>
             <a:fld id="{425F52D4-886F-40BD-B6DA-6601E1C32F9D}" type="datetime1">
               <a:rPr lang="it-IT" smtClean="0"/>
-              <a:t>13/05/2016</a:t>
+              <a:t>16/05/2016</a:t>
             </a:fld>
             <a:endParaRPr lang="it-IT"/>
           </a:p>
@@ -1191,7 +1191,7 @@
           <a:p>
             <a:fld id="{38C3EA25-D710-4523-A7FE-4926A4734D32}" type="datetime1">
               <a:rPr lang="it-IT" smtClean="0"/>
-              <a:t>13/05/2016</a:t>
+              <a:t>16/05/2016</a:t>
             </a:fld>
             <a:endParaRPr lang="it-IT"/>
           </a:p>
@@ -1371,7 +1371,7 @@
           <a:p>
             <a:fld id="{E0C49487-2F3F-492F-A0DA-C17E2EAA828E}" type="datetime1">
               <a:rPr lang="it-IT" smtClean="0"/>
-              <a:t>13/05/2016</a:t>
+              <a:t>16/05/2016</a:t>
             </a:fld>
             <a:endParaRPr lang="it-IT"/>
           </a:p>
@@ -1541,7 +1541,7 @@
           <a:p>
             <a:fld id="{8F21F7FF-ABDC-4F95-B850-005071B4922D}" type="datetime1">
               <a:rPr lang="it-IT" smtClean="0"/>
-              <a:t>13/05/2016</a:t>
+              <a:t>16/05/2016</a:t>
             </a:fld>
             <a:endParaRPr lang="it-IT"/>
           </a:p>
@@ -1787,7 +1787,7 @@
           <a:p>
             <a:fld id="{8FE6D758-D0E1-4A03-9FDA-3FF964675F10}" type="datetime1">
               <a:rPr lang="it-IT" smtClean="0"/>
-              <a:t>13/05/2016</a:t>
+              <a:t>16/05/2016</a:t>
             </a:fld>
             <a:endParaRPr lang="it-IT"/>
           </a:p>
@@ -2075,7 +2075,7 @@
           <a:p>
             <a:fld id="{3F40BD74-2419-472B-82B0-592C9BE32758}" type="datetime1">
               <a:rPr lang="it-IT" smtClean="0"/>
-              <a:t>13/05/2016</a:t>
+              <a:t>16/05/2016</a:t>
             </a:fld>
             <a:endParaRPr lang="it-IT"/>
           </a:p>
@@ -2497,7 +2497,7 @@
           <a:p>
             <a:fld id="{3B72B413-6928-43F6-87EF-29684B029306}" type="datetime1">
               <a:rPr lang="it-IT" smtClean="0"/>
-              <a:t>13/05/2016</a:t>
+              <a:t>16/05/2016</a:t>
             </a:fld>
             <a:endParaRPr lang="it-IT"/>
           </a:p>
@@ -2615,7 +2615,7 @@
           <a:p>
             <a:fld id="{F42F49A4-CE93-4C38-822E-7807F81579CA}" type="datetime1">
               <a:rPr lang="it-IT" smtClean="0"/>
-              <a:t>13/05/2016</a:t>
+              <a:t>16/05/2016</a:t>
             </a:fld>
             <a:endParaRPr lang="it-IT"/>
           </a:p>
@@ -2710,7 +2710,7 @@
           <a:p>
             <a:fld id="{A338CD70-9C90-4C8C-B827-1B0622C927A1}" type="datetime1">
               <a:rPr lang="it-IT" smtClean="0"/>
-              <a:t>13/05/2016</a:t>
+              <a:t>16/05/2016</a:t>
             </a:fld>
             <a:endParaRPr lang="it-IT"/>
           </a:p>
@@ -2987,7 +2987,7 @@
           <a:p>
             <a:fld id="{149639E0-C04A-43CE-B8E3-6AB642B9AD35}" type="datetime1">
               <a:rPr lang="it-IT" smtClean="0"/>
-              <a:t>13/05/2016</a:t>
+              <a:t>16/05/2016</a:t>
             </a:fld>
             <a:endParaRPr lang="it-IT"/>
           </a:p>
@@ -3240,7 +3240,7 @@
           <a:p>
             <a:fld id="{1B9EED54-F5CF-4388-9B36-FE14E7FEDAD3}" type="datetime1">
               <a:rPr lang="it-IT" smtClean="0"/>
-              <a:t>13/05/2016</a:t>
+              <a:t>16/05/2016</a:t>
             </a:fld>
             <a:endParaRPr lang="it-IT"/>
           </a:p>
@@ -3453,7 +3453,7 @@
           <a:p>
             <a:fld id="{AB65FBAF-BE87-42D8-A8CB-0FE178D44DC6}" type="datetime1">
               <a:rPr lang="it-IT" smtClean="0"/>
-              <a:t>13/05/2016</a:t>
+              <a:t>16/05/2016</a:t>
             </a:fld>
             <a:endParaRPr lang="it-IT"/>
           </a:p>
@@ -29884,7 +29884,7 @@
         </p:nvSpPr>
         <p:spPr>
           <a:xfrm>
-            <a:off x="335360" y="1360660"/>
+            <a:off x="335360" y="1229182"/>
             <a:ext cx="11521280" cy="5668740"/>
           </a:xfrm>
         </p:spPr>
@@ -29899,12 +29899,20 @@
               <a:buChar char="•"/>
             </a:pPr>
             <a:r>
+              <a:rPr lang="it-IT" sz="2400" dirty="0" err="1">
+                <a:solidFill>
+                  <a:schemeClr val="tx1"/>
+                </a:solidFill>
+              </a:rPr>
+              <a:t>Since</a:t>
+            </a:r>
+            <a:r>
               <a:rPr lang="it-IT" sz="2400" dirty="0">
                 <a:solidFill>
                   <a:schemeClr val="tx1"/>
                 </a:solidFill>
               </a:rPr>
-              <a:t>The </a:t>
+              <a:t> the </a:t>
             </a:r>
             <a:r>
               <a:rPr lang="it-IT" sz="2400" dirty="0" err="1">
@@ -29912,7 +29920,7 @@
                   <a:schemeClr val="tx1"/>
                 </a:solidFill>
               </a:rPr>
-              <a:t>main</a:t>
+              <a:t>highlighting</a:t>
             </a:r>
             <a:r>
               <a:rPr lang="it-IT" sz="2400" dirty="0">
@@ -29920,6 +29928,22 @@
                   <a:schemeClr val="tx1"/>
                 </a:solidFill>
               </a:rPr>
+              <a:t> of the </a:t>
+            </a:r>
+            <a:r>
+              <a:rPr lang="it-IT" sz="2400" dirty="0" err="1">
+                <a:solidFill>
+                  <a:schemeClr val="tx1"/>
+                </a:solidFill>
+              </a:rPr>
+              <a:t>clickable</a:t>
+            </a:r>
+            <a:r>
+              <a:rPr lang="it-IT" sz="2400" dirty="0">
+                <a:solidFill>
+                  <a:schemeClr val="tx1"/>
+                </a:solidFill>
+              </a:rPr>
               <a:t> </a:t>
             </a:r>
             <a:r>
@@ -29928,7 +29952,7 @@
                   <a:schemeClr val="tx1"/>
                 </a:solidFill>
               </a:rPr>
-              <a:t>path</a:t>
+              <a:t>links</a:t>
             </a:r>
             <a:r>
               <a:rPr lang="it-IT" sz="2400" dirty="0">
@@ -29936,6 +29960,22 @@
                   <a:schemeClr val="tx1"/>
                 </a:solidFill>
               </a:rPr>
+              <a:t> in the </a:t>
+            </a:r>
+            <a:r>
+              <a:rPr lang="it-IT" sz="2400" dirty="0" err="1">
+                <a:solidFill>
+                  <a:schemeClr val="tx1"/>
+                </a:solidFill>
+              </a:rPr>
+              <a:t>mockup</a:t>
+            </a:r>
+            <a:r>
+              <a:rPr lang="it-IT" sz="2400" dirty="0">
+                <a:solidFill>
+                  <a:schemeClr val="tx1"/>
+                </a:solidFill>
+              </a:rPr>
               <a:t> </a:t>
             </a:r>
             <a:r>
@@ -29944,7 +29984,7 @@
                   <a:schemeClr val="tx1"/>
                 </a:solidFill>
               </a:rPr>
-              <a:t>that</a:t>
+              <a:t>alters</a:t>
             </a:r>
             <a:r>
               <a:rPr lang="it-IT" sz="2400" dirty="0">
@@ -29952,6 +29992,38 @@
                   <a:schemeClr val="tx1"/>
                 </a:solidFill>
               </a:rPr>
+              <a:t> the website </a:t>
+            </a:r>
+            <a:r>
+              <a:rPr lang="it-IT" sz="2400" dirty="0" err="1">
+                <a:solidFill>
+                  <a:schemeClr val="tx1"/>
+                </a:solidFill>
+              </a:rPr>
+              <a:t>visualization</a:t>
+            </a:r>
+            <a:r>
+              <a:rPr lang="it-IT" sz="2400" dirty="0">
+                <a:solidFill>
+                  <a:schemeClr val="tx1"/>
+                </a:solidFill>
+              </a:rPr>
+              <a:t>, </a:t>
+            </a:r>
+            <a:r>
+              <a:rPr lang="it-IT" sz="2400" dirty="0" err="1">
+                <a:solidFill>
+                  <a:schemeClr val="tx1"/>
+                </a:solidFill>
+              </a:rPr>
+              <a:t>we</a:t>
+            </a:r>
+            <a:r>
+              <a:rPr lang="it-IT" sz="2400" dirty="0">
+                <a:solidFill>
+                  <a:schemeClr val="tx1"/>
+                </a:solidFill>
+              </a:rPr>
               <a:t> </a:t>
             </a:r>
             <a:r>
@@ -29960,7 +30032,7 @@
                   <a:schemeClr val="tx1"/>
                 </a:solidFill>
               </a:rPr>
-              <a:t>we</a:t>
+              <a:t>provided</a:t>
             </a:r>
             <a:r>
               <a:rPr lang="it-IT" sz="2400" dirty="0">
@@ -29976,7 +30048,7 @@
                   <a:schemeClr val="tx1"/>
                 </a:solidFill>
               </a:rPr>
-              <a:t>decided</a:t>
+              <a:t>two</a:t>
             </a:r>
             <a:r>
               <a:rPr lang="it-IT" sz="2400" dirty="0">
@@ -29984,7 +30056,7 @@
                   <a:schemeClr val="tx1"/>
                 </a:solidFill>
               </a:rPr>
-              <a:t> to </a:t>
+              <a:t> </a:t>
             </a:r>
             <a:r>
               <a:rPr lang="it-IT" sz="2400" dirty="0" err="1">
@@ -29992,7 +30064,7 @@
                   <a:schemeClr val="tx1"/>
                 </a:solidFill>
               </a:rPr>
-              <a:t>fully</a:t>
+              <a:t>versions</a:t>
             </a:r>
             <a:r>
               <a:rPr lang="it-IT" sz="2400" dirty="0">
@@ -30000,6 +30072,22 @@
                   <a:schemeClr val="tx1"/>
                 </a:solidFill>
               </a:rPr>
+              <a:t> of the </a:t>
+            </a:r>
+            <a:r>
+              <a:rPr lang="it-IT" sz="2400" dirty="0" err="1">
+                <a:solidFill>
+                  <a:schemeClr val="tx1"/>
+                </a:solidFill>
+              </a:rPr>
+              <a:t>mockup</a:t>
+            </a:r>
+            <a:r>
+              <a:rPr lang="it-IT" sz="2400" dirty="0">
+                <a:solidFill>
+                  <a:schemeClr val="tx1"/>
+                </a:solidFill>
+              </a:rPr>
               <a:t> </a:t>
             </a:r>
             <a:r>
@@ -30008,7 +30096,7 @@
                   <a:schemeClr val="tx1"/>
                 </a:solidFill>
               </a:rPr>
-              <a:t>implement</a:t>
+              <a:t>document</a:t>
             </a:r>
             <a:r>
               <a:rPr lang="it-IT" sz="2400" dirty="0">
@@ -30016,6 +30104,38 @@
                   <a:schemeClr val="tx1"/>
                 </a:solidFill>
               </a:rPr>
+              <a:t>: </a:t>
+            </a:r>
+            <a:r>
+              <a:rPr lang="it-IT" sz="2400" dirty="0" err="1">
+                <a:solidFill>
+                  <a:schemeClr val="tx1"/>
+                </a:solidFill>
+              </a:rPr>
+              <a:t>one</a:t>
+            </a:r>
+            <a:r>
+              <a:rPr lang="it-IT" sz="2400" dirty="0">
+                <a:solidFill>
+                  <a:schemeClr val="tx1"/>
+                </a:solidFill>
+              </a:rPr>
+              <a:t> with the </a:t>
+            </a:r>
+            <a:r>
+              <a:rPr lang="it-IT" sz="2400" dirty="0" err="1">
+                <a:solidFill>
+                  <a:schemeClr val="tx1"/>
+                </a:solidFill>
+              </a:rPr>
+              <a:t>original</a:t>
+            </a:r>
+            <a:r>
+              <a:rPr lang="it-IT" sz="2400" dirty="0">
+                <a:solidFill>
+                  <a:schemeClr val="tx1"/>
+                </a:solidFill>
+              </a:rPr>
               <a:t> </a:t>
             </a:r>
             <a:r>
@@ -30024,7 +30144,7 @@
                   <a:schemeClr val="tx1"/>
                 </a:solidFill>
               </a:rPr>
-              <a:t>is</a:t>
+              <a:t>aspect</a:t>
             </a:r>
             <a:r>
               <a:rPr lang="it-IT" sz="2400" dirty="0">
@@ -30032,7 +30152,7 @@
                   <a:schemeClr val="tx1"/>
                 </a:solidFill>
               </a:rPr>
-              <a:t> the </a:t>
+              <a:t> (</a:t>
             </a:r>
             <a:r>
               <a:rPr lang="it-IT" sz="2400" dirty="0" err="1">
@@ -30040,6 +30160,22 @@
                   <a:schemeClr val="tx1"/>
                 </a:solidFill>
               </a:rPr>
+              <a:t>Mockup</a:t>
+            </a:r>
+            <a:r>
+              <a:rPr lang="it-IT" sz="2400" dirty="0">
+                <a:solidFill>
+                  <a:schemeClr val="tx1"/>
+                </a:solidFill>
+              </a:rPr>
+              <a:t>), and </a:t>
+            </a:r>
+            <a:r>
+              <a:rPr lang="it-IT" sz="2400" dirty="0" err="1">
+                <a:solidFill>
+                  <a:schemeClr val="tx1"/>
+                </a:solidFill>
+              </a:rPr>
               <a:t>one</a:t>
             </a:r>
             <a:r>
@@ -30048,6 +30184,22 @@
                   <a:schemeClr val="tx1"/>
                 </a:solidFill>
               </a:rPr>
+              <a:t> with the </a:t>
+            </a:r>
+            <a:r>
+              <a:rPr lang="it-IT" sz="2400" dirty="0" err="1">
+                <a:solidFill>
+                  <a:schemeClr val="tx1"/>
+                </a:solidFill>
+              </a:rPr>
+              <a:t>highlighted</a:t>
+            </a:r>
+            <a:r>
+              <a:rPr lang="it-IT" sz="2400" dirty="0">
+                <a:solidFill>
+                  <a:schemeClr val="tx1"/>
+                </a:solidFill>
+              </a:rPr>
               <a:t> </a:t>
             </a:r>
             <a:r>
@@ -30056,7 +30208,7 @@
                   <a:schemeClr val="tx1"/>
                 </a:solidFill>
               </a:rPr>
-              <a:t>related</a:t>
+              <a:t>links</a:t>
             </a:r>
             <a:r>
               <a:rPr lang="it-IT" sz="2400" dirty="0">
@@ -30064,7 +30216,7 @@
                   <a:schemeClr val="tx1"/>
                 </a:solidFill>
               </a:rPr>
-              <a:t> to the </a:t>
+              <a:t> (</a:t>
             </a:r>
             <a:r>
               <a:rPr lang="it-IT" sz="2400" dirty="0" err="1">
@@ -30072,207 +30224,7 @@
                   <a:schemeClr val="tx1"/>
                 </a:solidFill>
               </a:rPr>
-              <a:t>device</a:t>
-            </a:r>
-            <a:r>
-              <a:rPr lang="it-IT" sz="2400" dirty="0">
-                <a:solidFill>
-                  <a:schemeClr val="tx1"/>
-                </a:solidFill>
-              </a:rPr>
-              <a:t> «Samsung </a:t>
-            </a:r>
-            <a:r>
-              <a:rPr lang="it-IT" sz="2400" dirty="0" err="1">
-                <a:solidFill>
-                  <a:schemeClr val="tx1"/>
-                </a:solidFill>
-              </a:rPr>
-              <a:t>Galaxy</a:t>
-            </a:r>
-            <a:r>
-              <a:rPr lang="it-IT" sz="2400" dirty="0">
-                <a:solidFill>
-                  <a:schemeClr val="tx1"/>
-                </a:solidFill>
-              </a:rPr>
-              <a:t> S7 </a:t>
-            </a:r>
-            <a:r>
-              <a:rPr lang="it-IT" sz="2400" dirty="0" err="1">
-                <a:solidFill>
-                  <a:schemeClr val="tx1"/>
-                </a:solidFill>
-              </a:rPr>
-              <a:t>edge</a:t>
-            </a:r>
-            <a:r>
-              <a:rPr lang="it-IT" sz="2400" dirty="0">
-                <a:solidFill>
-                  <a:schemeClr val="tx1"/>
-                </a:solidFill>
-              </a:rPr>
-              <a:t>». Using </a:t>
-            </a:r>
-            <a:r>
-              <a:rPr lang="it-IT" sz="2400" dirty="0" err="1">
-                <a:solidFill>
-                  <a:schemeClr val="tx1"/>
-                </a:solidFill>
-              </a:rPr>
-              <a:t>this</a:t>
-            </a:r>
-            <a:r>
-              <a:rPr lang="it-IT" sz="2400" dirty="0">
-                <a:solidFill>
-                  <a:schemeClr val="tx1"/>
-                </a:solidFill>
-              </a:rPr>
-              <a:t> </a:t>
-            </a:r>
-            <a:r>
-              <a:rPr lang="it-IT" sz="2400" dirty="0" err="1">
-                <a:solidFill>
-                  <a:schemeClr val="tx1"/>
-                </a:solidFill>
-              </a:rPr>
-              <a:t>path</a:t>
-            </a:r>
-            <a:r>
-              <a:rPr lang="it-IT" sz="2400" dirty="0">
-                <a:solidFill>
-                  <a:schemeClr val="tx1"/>
-                </a:solidFill>
-              </a:rPr>
-              <a:t> </a:t>
-            </a:r>
-            <a:r>
-              <a:rPr lang="it-IT" sz="2400" dirty="0" err="1">
-                <a:solidFill>
-                  <a:schemeClr val="tx1"/>
-                </a:solidFill>
-              </a:rPr>
-              <a:t>all</a:t>
-            </a:r>
-            <a:r>
-              <a:rPr lang="it-IT" sz="2400" dirty="0">
-                <a:solidFill>
-                  <a:schemeClr val="tx1"/>
-                </a:solidFill>
-              </a:rPr>
-              <a:t> the </a:t>
-            </a:r>
-            <a:r>
-              <a:rPr lang="it-IT" sz="2400" dirty="0" err="1">
-                <a:solidFill>
-                  <a:schemeClr val="tx1"/>
-                </a:solidFill>
-              </a:rPr>
-              <a:t>pages</a:t>
-            </a:r>
-            <a:r>
-              <a:rPr lang="it-IT" sz="2400" dirty="0">
-                <a:solidFill>
-                  <a:schemeClr val="tx1"/>
-                </a:solidFill>
-              </a:rPr>
-              <a:t> of the P-IDM can be </a:t>
-            </a:r>
-            <a:r>
-              <a:rPr lang="it-IT" sz="2400" dirty="0" err="1">
-                <a:solidFill>
-                  <a:schemeClr val="tx1"/>
-                </a:solidFill>
-              </a:rPr>
-              <a:t>visited</a:t>
-            </a:r>
-            <a:r>
-              <a:rPr lang="it-IT" sz="2400" dirty="0">
-                <a:solidFill>
-                  <a:schemeClr val="tx1"/>
-                </a:solidFill>
-              </a:rPr>
-              <a:t> </a:t>
-            </a:r>
-            <a:r>
-              <a:rPr lang="it-IT" sz="2400" dirty="0" err="1">
-                <a:solidFill>
-                  <a:schemeClr val="tx1"/>
-                </a:solidFill>
-              </a:rPr>
-              <a:t>at</a:t>
-            </a:r>
-            <a:r>
-              <a:rPr lang="it-IT" sz="2400" dirty="0">
-                <a:solidFill>
-                  <a:schemeClr val="tx1"/>
-                </a:solidFill>
-              </a:rPr>
-              <a:t> </a:t>
-            </a:r>
-            <a:r>
-              <a:rPr lang="it-IT" sz="2400" dirty="0" err="1">
-                <a:solidFill>
-                  <a:schemeClr val="tx1"/>
-                </a:solidFill>
-              </a:rPr>
-              <a:t>least</a:t>
-            </a:r>
-            <a:r>
-              <a:rPr lang="it-IT" sz="2400" dirty="0">
-                <a:solidFill>
-                  <a:schemeClr val="tx1"/>
-                </a:solidFill>
-              </a:rPr>
-              <a:t> once, </a:t>
-            </a:r>
-            <a:r>
-              <a:rPr lang="it-IT" sz="2400" dirty="0" err="1">
-                <a:solidFill>
-                  <a:schemeClr val="tx1"/>
-                </a:solidFill>
-              </a:rPr>
-              <a:t>except</a:t>
-            </a:r>
-            <a:r>
-              <a:rPr lang="it-IT" sz="2400" dirty="0">
-                <a:solidFill>
-                  <a:schemeClr val="tx1"/>
-                </a:solidFill>
-              </a:rPr>
-              <a:t> for the </a:t>
-            </a:r>
-            <a:r>
-              <a:rPr lang="it-IT" sz="2400" dirty="0" err="1">
-                <a:solidFill>
-                  <a:schemeClr val="tx1"/>
-                </a:solidFill>
-              </a:rPr>
-              <a:t>transition</a:t>
-            </a:r>
-            <a:r>
-              <a:rPr lang="it-IT" sz="2400" dirty="0">
-                <a:solidFill>
-                  <a:schemeClr val="tx1"/>
-                </a:solidFill>
-              </a:rPr>
-              <a:t> </a:t>
-            </a:r>
-            <a:r>
-              <a:rPr lang="it-IT" sz="2400" dirty="0" err="1">
-                <a:solidFill>
-                  <a:schemeClr val="tx1"/>
-                </a:solidFill>
-              </a:rPr>
-              <a:t>pages</a:t>
-            </a:r>
-            <a:r>
-              <a:rPr lang="it-IT" sz="2400" dirty="0">
-                <a:solidFill>
-                  <a:schemeClr val="tx1"/>
-                </a:solidFill>
-              </a:rPr>
-              <a:t> «For Device(s)_1» and «For Device(s</a:t>
+              <a:t>HighlightedMockup</a:t>
             </a:r>
             <a:r>
               <a:rPr lang="it-IT" sz="2400" dirty="0" smtClean="0">
@@ -30280,71 +30232,7 @@
                   <a:schemeClr val="tx1"/>
                 </a:solidFill>
               </a:rPr>
-              <a:t>)_2», </a:t>
-            </a:r>
-            <a:r>
-              <a:rPr lang="it-IT" sz="2400" dirty="0" err="1" smtClean="0">
-                <a:solidFill>
-                  <a:schemeClr val="tx1"/>
-                </a:solidFill>
-              </a:rPr>
-              <a:t>which</a:t>
-            </a:r>
-            <a:r>
-              <a:rPr lang="it-IT" sz="2400" dirty="0" smtClean="0">
-                <a:solidFill>
-                  <a:schemeClr val="tx1"/>
-                </a:solidFill>
-              </a:rPr>
-              <a:t> are </a:t>
-            </a:r>
-            <a:r>
-              <a:rPr lang="it-IT" sz="2400" dirty="0" err="1" smtClean="0">
-                <a:solidFill>
-                  <a:schemeClr val="tx1"/>
-                </a:solidFill>
-              </a:rPr>
-              <a:t>reachable</a:t>
-            </a:r>
-            <a:r>
-              <a:rPr lang="it-IT" sz="2400" dirty="0" smtClean="0">
-                <a:solidFill>
-                  <a:schemeClr val="tx1"/>
-                </a:solidFill>
-              </a:rPr>
-              <a:t> </a:t>
-            </a:r>
-            <a:r>
-              <a:rPr lang="it-IT" sz="2400" dirty="0" err="1" smtClean="0">
-                <a:solidFill>
-                  <a:schemeClr val="tx1"/>
-                </a:solidFill>
-              </a:rPr>
-              <a:t>respectively</a:t>
-            </a:r>
-            <a:r>
-              <a:rPr lang="it-IT" sz="2400" dirty="0" smtClean="0">
-                <a:solidFill>
-                  <a:schemeClr val="tx1"/>
-                </a:solidFill>
-              </a:rPr>
-              <a:t> from the «</a:t>
-            </a:r>
-            <a:r>
-              <a:rPr lang="it-IT" sz="2400" dirty="0" err="1" smtClean="0">
-                <a:solidFill>
-                  <a:schemeClr val="tx1"/>
-                </a:solidFill>
-              </a:rPr>
-              <a:t>Healthwatch</a:t>
-            </a:r>
-            <a:r>
-              <a:rPr lang="it-IT" sz="2400" dirty="0" smtClean="0">
-                <a:solidFill>
-                  <a:schemeClr val="tx1"/>
-                </a:solidFill>
-              </a:rPr>
-              <a:t>» SL service and «Connect to Internet» Assistance service.</a:t>
+              <a:t>).</a:t>
             </a:r>
           </a:p>
           <a:p>
@@ -30352,526 +30240,11 @@
               <a:buFont typeface="Arial" panose="020B0604020202020204" pitchFamily="34" charset="0"/>
               <a:buChar char="•"/>
             </a:pPr>
-            <a:r>
-              <a:rPr lang="it-IT" sz="2400" dirty="0" err="1" smtClean="0">
-                <a:solidFill>
-                  <a:schemeClr val="tx1"/>
-                </a:solidFill>
-              </a:rPr>
-              <a:t>As</a:t>
-            </a:r>
-            <a:r>
-              <a:rPr lang="it-IT" sz="2400" dirty="0" smtClean="0">
-                <a:solidFill>
-                  <a:schemeClr val="tx1"/>
-                </a:solidFill>
-              </a:rPr>
-              <a:t> for the </a:t>
-            </a:r>
-            <a:r>
-              <a:rPr lang="it-IT" sz="2400" dirty="0" err="1" smtClean="0">
-                <a:solidFill>
-                  <a:schemeClr val="tx1"/>
-                </a:solidFill>
-              </a:rPr>
-              <a:t>orientation</a:t>
-            </a:r>
-            <a:r>
-              <a:rPr lang="it-IT" sz="2400" dirty="0" smtClean="0">
-                <a:solidFill>
-                  <a:schemeClr val="tx1"/>
-                </a:solidFill>
-              </a:rPr>
-              <a:t> info, in </a:t>
-            </a:r>
-            <a:r>
-              <a:rPr lang="it-IT" sz="2400" dirty="0" err="1" smtClean="0">
-                <a:solidFill>
-                  <a:schemeClr val="tx1"/>
-                </a:solidFill>
-              </a:rPr>
-              <a:t>order</a:t>
-            </a:r>
-            <a:r>
-              <a:rPr lang="it-IT" sz="2400" dirty="0" smtClean="0">
-                <a:solidFill>
-                  <a:schemeClr val="tx1"/>
-                </a:solidFill>
-              </a:rPr>
-              <a:t> to </a:t>
-            </a:r>
-            <a:r>
-              <a:rPr lang="it-IT" sz="2400" dirty="0" err="1" smtClean="0">
-                <a:solidFill>
-                  <a:schemeClr val="tx1"/>
-                </a:solidFill>
-              </a:rPr>
-              <a:t>keep</a:t>
-            </a:r>
-            <a:r>
-              <a:rPr lang="it-IT" sz="2400" dirty="0" smtClean="0">
-                <a:solidFill>
-                  <a:schemeClr val="tx1"/>
-                </a:solidFill>
-              </a:rPr>
-              <a:t> </a:t>
-            </a:r>
-            <a:r>
-              <a:rPr lang="it-IT" sz="2400" dirty="0" err="1" smtClean="0">
-                <a:solidFill>
-                  <a:schemeClr val="tx1"/>
-                </a:solidFill>
-              </a:rPr>
-              <a:t>it</a:t>
-            </a:r>
-            <a:r>
-              <a:rPr lang="it-IT" sz="2400" dirty="0" smtClean="0">
-                <a:solidFill>
-                  <a:schemeClr val="tx1"/>
-                </a:solidFill>
-              </a:rPr>
-              <a:t> </a:t>
-            </a:r>
-            <a:r>
-              <a:rPr lang="it-IT" sz="2400" dirty="0" err="1" smtClean="0">
-                <a:solidFill>
-                  <a:schemeClr val="tx1"/>
-                </a:solidFill>
-              </a:rPr>
-              <a:t>not</a:t>
-            </a:r>
-            <a:r>
-              <a:rPr lang="it-IT" sz="2400" dirty="0" smtClean="0">
-                <a:solidFill>
-                  <a:schemeClr val="tx1"/>
-                </a:solidFill>
-              </a:rPr>
-              <a:t> </a:t>
-            </a:r>
-            <a:r>
-              <a:rPr lang="it-IT" sz="2400" dirty="0" err="1" smtClean="0">
-                <a:solidFill>
-                  <a:schemeClr val="tx1"/>
-                </a:solidFill>
-              </a:rPr>
-              <a:t>too</a:t>
-            </a:r>
-            <a:r>
-              <a:rPr lang="it-IT" sz="2400" dirty="0" smtClean="0">
-                <a:solidFill>
-                  <a:schemeClr val="tx1"/>
-                </a:solidFill>
-              </a:rPr>
-              <a:t> long, </a:t>
-            </a:r>
-            <a:r>
-              <a:rPr lang="it-IT" sz="2400" dirty="0" err="1" smtClean="0">
-                <a:solidFill>
-                  <a:schemeClr val="tx1"/>
-                </a:solidFill>
-              </a:rPr>
-              <a:t>we</a:t>
-            </a:r>
-            <a:r>
-              <a:rPr lang="it-IT" sz="2400" dirty="0" smtClean="0">
-                <a:solidFill>
-                  <a:schemeClr val="tx1"/>
-                </a:solidFill>
-              </a:rPr>
-              <a:t> </a:t>
-            </a:r>
-            <a:r>
-              <a:rPr lang="it-IT" sz="2400" dirty="0" err="1" smtClean="0">
-                <a:solidFill>
-                  <a:schemeClr val="tx1"/>
-                </a:solidFill>
-              </a:rPr>
-              <a:t>decided</a:t>
-            </a:r>
-            <a:r>
-              <a:rPr lang="it-IT" sz="2400" dirty="0" smtClean="0">
-                <a:solidFill>
-                  <a:schemeClr val="tx1"/>
-                </a:solidFill>
-              </a:rPr>
-              <a:t> </a:t>
-            </a:r>
-            <a:r>
-              <a:rPr lang="it-IT" sz="2400" dirty="0" err="1" smtClean="0">
-                <a:solidFill>
-                  <a:schemeClr val="tx1"/>
-                </a:solidFill>
-              </a:rPr>
-              <a:t>that</a:t>
-            </a:r>
-            <a:r>
-              <a:rPr lang="it-IT" sz="2400" dirty="0" smtClean="0">
-                <a:solidFill>
-                  <a:schemeClr val="tx1"/>
-                </a:solidFill>
-              </a:rPr>
-              <a:t> </a:t>
-            </a:r>
-            <a:r>
-              <a:rPr lang="it-IT" sz="2400" dirty="0" err="1" smtClean="0">
-                <a:solidFill>
-                  <a:schemeClr val="tx1"/>
-                </a:solidFill>
-              </a:rPr>
-              <a:t>if</a:t>
-            </a:r>
-            <a:r>
-              <a:rPr lang="it-IT" sz="2400" dirty="0" smtClean="0">
-                <a:solidFill>
-                  <a:schemeClr val="tx1"/>
-                </a:solidFill>
-              </a:rPr>
-              <a:t> the </a:t>
-            </a:r>
-            <a:r>
-              <a:rPr lang="it-IT" sz="2400" dirty="0" err="1" smtClean="0">
-                <a:solidFill>
-                  <a:schemeClr val="tx1"/>
-                </a:solidFill>
-              </a:rPr>
-              <a:t>user</a:t>
-            </a:r>
-            <a:r>
-              <a:rPr lang="it-IT" sz="2400" dirty="0" smtClean="0">
-                <a:solidFill>
-                  <a:schemeClr val="tx1"/>
-                </a:solidFill>
-              </a:rPr>
-              <a:t> </a:t>
-            </a:r>
-            <a:r>
-              <a:rPr lang="it-IT" sz="2400" dirty="0" err="1" smtClean="0">
-                <a:solidFill>
-                  <a:schemeClr val="tx1"/>
-                </a:solidFill>
-              </a:rPr>
-              <a:t>makes</a:t>
-            </a:r>
-            <a:r>
-              <a:rPr lang="it-IT" sz="2400" dirty="0" smtClean="0">
-                <a:solidFill>
-                  <a:schemeClr val="tx1"/>
-                </a:solidFill>
-              </a:rPr>
-              <a:t> a single </a:t>
-            </a:r>
-            <a:r>
-              <a:rPr lang="it-IT" sz="2400" dirty="0" err="1" smtClean="0">
-                <a:solidFill>
-                  <a:schemeClr val="tx1"/>
-                </a:solidFill>
-              </a:rPr>
-              <a:t>transition</a:t>
-            </a:r>
-            <a:r>
-              <a:rPr lang="it-IT" sz="2400" dirty="0" smtClean="0">
-                <a:solidFill>
-                  <a:schemeClr val="tx1"/>
-                </a:solidFill>
-              </a:rPr>
-              <a:t> </a:t>
-            </a:r>
-            <a:r>
-              <a:rPr lang="it-IT" sz="2400" dirty="0" err="1" smtClean="0">
-                <a:solidFill>
-                  <a:schemeClr val="tx1"/>
-                </a:solidFill>
-              </a:rPr>
-              <a:t>between</a:t>
-            </a:r>
-            <a:r>
-              <a:rPr lang="it-IT" sz="2400" dirty="0" smtClean="0">
-                <a:solidFill>
-                  <a:schemeClr val="tx1"/>
-                </a:solidFill>
-              </a:rPr>
-              <a:t> </a:t>
-            </a:r>
-            <a:r>
-              <a:rPr lang="it-IT" sz="2400" dirty="0" err="1" smtClean="0">
-                <a:solidFill>
-                  <a:schemeClr val="tx1"/>
-                </a:solidFill>
-              </a:rPr>
-              <a:t>two</a:t>
-            </a:r>
-            <a:r>
-              <a:rPr lang="it-IT" sz="2400" dirty="0" smtClean="0">
-                <a:solidFill>
-                  <a:schemeClr val="tx1"/>
-                </a:solidFill>
-              </a:rPr>
-              <a:t> multiple </a:t>
-            </a:r>
-            <a:r>
-              <a:rPr lang="it-IT" sz="2400" dirty="0" err="1" smtClean="0">
-                <a:solidFill>
-                  <a:schemeClr val="tx1"/>
-                </a:solidFill>
-              </a:rPr>
-              <a:t>topics</a:t>
-            </a:r>
-            <a:r>
-              <a:rPr lang="it-IT" sz="2400" dirty="0" smtClean="0">
-                <a:solidFill>
-                  <a:schemeClr val="tx1"/>
-                </a:solidFill>
-              </a:rPr>
-              <a:t>, the </a:t>
-            </a:r>
-            <a:r>
-              <a:rPr lang="it-IT" sz="2400" dirty="0" err="1" smtClean="0">
-                <a:solidFill>
-                  <a:schemeClr val="tx1"/>
-                </a:solidFill>
-              </a:rPr>
-              <a:t>orientation</a:t>
-            </a:r>
-            <a:r>
-              <a:rPr lang="it-IT" sz="2400" dirty="0" smtClean="0">
-                <a:solidFill>
-                  <a:schemeClr val="tx1"/>
-                </a:solidFill>
-              </a:rPr>
-              <a:t> info </a:t>
-            </a:r>
-            <a:r>
-              <a:rPr lang="it-IT" sz="2400" dirty="0" err="1" smtClean="0">
-                <a:solidFill>
-                  <a:schemeClr val="tx1"/>
-                </a:solidFill>
-              </a:rPr>
-              <a:t>follows</a:t>
-            </a:r>
-            <a:r>
-              <a:rPr lang="it-IT" sz="2400" dirty="0" smtClean="0">
-                <a:solidFill>
-                  <a:schemeClr val="tx1"/>
-                </a:solidFill>
-              </a:rPr>
-              <a:t> the </a:t>
-            </a:r>
-            <a:r>
-              <a:rPr lang="it-IT" sz="2400" dirty="0" err="1" smtClean="0">
-                <a:solidFill>
-                  <a:schemeClr val="tx1"/>
-                </a:solidFill>
-              </a:rPr>
-              <a:t>same</a:t>
-            </a:r>
-            <a:r>
-              <a:rPr lang="it-IT" sz="2400" dirty="0" smtClean="0">
-                <a:solidFill>
-                  <a:schemeClr val="tx1"/>
-                </a:solidFill>
-              </a:rPr>
-              <a:t> </a:t>
-            </a:r>
-            <a:r>
-              <a:rPr lang="it-IT" sz="2400" dirty="0" err="1" smtClean="0">
-                <a:solidFill>
-                  <a:schemeClr val="tx1"/>
-                </a:solidFill>
-              </a:rPr>
-              <a:t>path</a:t>
-            </a:r>
-            <a:r>
-              <a:rPr lang="it-IT" sz="2400" dirty="0" smtClean="0">
-                <a:solidFill>
-                  <a:schemeClr val="tx1"/>
-                </a:solidFill>
-              </a:rPr>
-              <a:t>; </a:t>
-            </a:r>
-            <a:r>
-              <a:rPr lang="it-IT" sz="2400" dirty="0" err="1" smtClean="0">
-                <a:solidFill>
-                  <a:schemeClr val="tx1"/>
-                </a:solidFill>
-              </a:rPr>
-              <a:t>at</a:t>
-            </a:r>
-            <a:r>
-              <a:rPr lang="it-IT" sz="2400" dirty="0" smtClean="0">
-                <a:solidFill>
-                  <a:schemeClr val="tx1"/>
-                </a:solidFill>
-              </a:rPr>
-              <a:t> the </a:t>
-            </a:r>
-            <a:r>
-              <a:rPr lang="it-IT" sz="2400" dirty="0" err="1" smtClean="0">
-                <a:solidFill>
-                  <a:schemeClr val="tx1"/>
-                </a:solidFill>
-              </a:rPr>
-              <a:t>second</a:t>
-            </a:r>
-            <a:r>
-              <a:rPr lang="it-IT" sz="2400" dirty="0" smtClean="0">
-                <a:solidFill>
-                  <a:schemeClr val="tx1"/>
-                </a:solidFill>
-              </a:rPr>
-              <a:t> </a:t>
-            </a:r>
-            <a:r>
-              <a:rPr lang="it-IT" sz="2400" dirty="0" err="1" smtClean="0">
-                <a:solidFill>
-                  <a:schemeClr val="tx1"/>
-                </a:solidFill>
-              </a:rPr>
-              <a:t>transition</a:t>
-            </a:r>
-            <a:r>
-              <a:rPr lang="it-IT" sz="2400" dirty="0" smtClean="0">
-                <a:solidFill>
-                  <a:schemeClr val="tx1"/>
-                </a:solidFill>
-              </a:rPr>
-              <a:t> of </a:t>
-            </a:r>
-            <a:r>
-              <a:rPr lang="it-IT" sz="2400" dirty="0" err="1" smtClean="0">
-                <a:solidFill>
-                  <a:schemeClr val="tx1"/>
-                </a:solidFill>
-              </a:rPr>
-              <a:t>topic</a:t>
-            </a:r>
-            <a:r>
-              <a:rPr lang="it-IT" sz="2400" dirty="0" smtClean="0">
-                <a:solidFill>
-                  <a:schemeClr val="tx1"/>
-                </a:solidFill>
-              </a:rPr>
-              <a:t> </a:t>
-            </a:r>
-            <a:r>
-              <a:rPr lang="it-IT" sz="2400" dirty="0" err="1" smtClean="0">
-                <a:solidFill>
-                  <a:schemeClr val="tx1"/>
-                </a:solidFill>
-              </a:rPr>
-              <a:t>instead</a:t>
-            </a:r>
-            <a:r>
-              <a:rPr lang="it-IT" sz="2400" dirty="0" smtClean="0">
-                <a:solidFill>
-                  <a:schemeClr val="tx1"/>
-                </a:solidFill>
-              </a:rPr>
-              <a:t>, the </a:t>
-            </a:r>
-            <a:r>
-              <a:rPr lang="it-IT" sz="2400" dirty="0" err="1" smtClean="0">
-                <a:solidFill>
-                  <a:schemeClr val="tx1"/>
-                </a:solidFill>
-              </a:rPr>
-              <a:t>path</a:t>
-            </a:r>
-            <a:r>
-              <a:rPr lang="it-IT" sz="2400" dirty="0" smtClean="0">
-                <a:solidFill>
-                  <a:schemeClr val="tx1"/>
-                </a:solidFill>
-              </a:rPr>
-              <a:t> </a:t>
-            </a:r>
-            <a:r>
-              <a:rPr lang="it-IT" sz="2400" dirty="0" err="1" smtClean="0">
-                <a:solidFill>
-                  <a:schemeClr val="tx1"/>
-                </a:solidFill>
-              </a:rPr>
-              <a:t>is</a:t>
-            </a:r>
-            <a:r>
-              <a:rPr lang="it-IT" sz="2400" dirty="0" smtClean="0">
-                <a:solidFill>
-                  <a:schemeClr val="tx1"/>
-                </a:solidFill>
-              </a:rPr>
-              <a:t> </a:t>
-            </a:r>
-            <a:r>
-              <a:rPr lang="it-IT" sz="2400" dirty="0" err="1" smtClean="0">
-                <a:solidFill>
-                  <a:schemeClr val="tx1"/>
-                </a:solidFill>
-              </a:rPr>
-              <a:t>resetted</a:t>
-            </a:r>
-            <a:r>
-              <a:rPr lang="it-IT" sz="2400" dirty="0" smtClean="0">
-                <a:solidFill>
-                  <a:schemeClr val="tx1"/>
-                </a:solidFill>
-              </a:rPr>
-              <a:t> to the default </a:t>
-            </a:r>
-            <a:r>
-              <a:rPr lang="it-IT" sz="2400" dirty="0" err="1" smtClean="0">
-                <a:solidFill>
-                  <a:schemeClr val="tx1"/>
-                </a:solidFill>
-              </a:rPr>
-              <a:t>one</a:t>
-            </a:r>
-            <a:r>
-              <a:rPr lang="it-IT" sz="2400" dirty="0">
-                <a:solidFill>
-                  <a:schemeClr val="tx1"/>
-                </a:solidFill>
-              </a:rPr>
-              <a:t> </a:t>
-            </a:r>
-            <a:r>
-              <a:rPr lang="it-IT" sz="2400" dirty="0" smtClean="0">
-                <a:solidFill>
-                  <a:schemeClr val="tx1"/>
-                </a:solidFill>
-              </a:rPr>
-              <a:t>(from the </a:t>
-            </a:r>
-            <a:r>
-              <a:rPr lang="it-IT" sz="2400" dirty="0" err="1" smtClean="0">
-                <a:solidFill>
-                  <a:schemeClr val="tx1"/>
-                </a:solidFill>
-              </a:rPr>
-              <a:t>corresponding</a:t>
-            </a:r>
-            <a:r>
-              <a:rPr lang="it-IT" sz="2400" dirty="0" smtClean="0">
-                <a:solidFill>
-                  <a:schemeClr val="tx1"/>
-                </a:solidFill>
-              </a:rPr>
-              <a:t> </a:t>
-            </a:r>
-            <a:r>
-              <a:rPr lang="it-IT" sz="2400" dirty="0" err="1" smtClean="0">
-                <a:solidFill>
-                  <a:schemeClr val="tx1"/>
-                </a:solidFill>
-              </a:rPr>
-              <a:t>category</a:t>
-            </a:r>
-            <a:r>
-              <a:rPr lang="it-IT" sz="2400" dirty="0" smtClean="0">
-                <a:solidFill>
-                  <a:schemeClr val="tx1"/>
-                </a:solidFill>
-              </a:rPr>
-              <a:t> to the page). </a:t>
-            </a:r>
+            <a:endParaRPr lang="it-IT" sz="2400" dirty="0" smtClean="0">
+              <a:solidFill>
+                <a:schemeClr val="tx1"/>
+              </a:solidFill>
+            </a:endParaRPr>
           </a:p>
           <a:p>
             <a:pPr marL="457200" indent="-457200" algn="l">
@@ -30879,12 +30252,396 @@
               <a:buChar char="•"/>
             </a:pPr>
             <a:r>
+              <a:rPr lang="it-IT" sz="2400" dirty="0" smtClean="0">
+                <a:solidFill>
+                  <a:schemeClr val="tx1"/>
+                </a:solidFill>
+              </a:rPr>
+              <a:t>The </a:t>
+            </a:r>
+            <a:r>
+              <a:rPr lang="it-IT" sz="2400" dirty="0" err="1">
+                <a:solidFill>
+                  <a:schemeClr val="tx1"/>
+                </a:solidFill>
+              </a:rPr>
+              <a:t>main</a:t>
+            </a:r>
+            <a:r>
+              <a:rPr lang="it-IT" sz="2400" dirty="0">
+                <a:solidFill>
+                  <a:schemeClr val="tx1"/>
+                </a:solidFill>
+              </a:rPr>
+              <a:t> </a:t>
+            </a:r>
+            <a:r>
+              <a:rPr lang="it-IT" sz="2400" dirty="0" err="1">
+                <a:solidFill>
+                  <a:schemeClr val="tx1"/>
+                </a:solidFill>
+              </a:rPr>
+              <a:t>path</a:t>
+            </a:r>
+            <a:r>
+              <a:rPr lang="it-IT" sz="2400" dirty="0">
+                <a:solidFill>
+                  <a:schemeClr val="tx1"/>
+                </a:solidFill>
+              </a:rPr>
+              <a:t> </a:t>
+            </a:r>
+            <a:r>
+              <a:rPr lang="it-IT" sz="2400" dirty="0" err="1">
+                <a:solidFill>
+                  <a:schemeClr val="tx1"/>
+                </a:solidFill>
+              </a:rPr>
+              <a:t>that</a:t>
+            </a:r>
+            <a:r>
+              <a:rPr lang="it-IT" sz="2400" dirty="0">
+                <a:solidFill>
+                  <a:schemeClr val="tx1"/>
+                </a:solidFill>
+              </a:rPr>
+              <a:t> </a:t>
+            </a:r>
+            <a:r>
+              <a:rPr lang="it-IT" sz="2400" dirty="0" err="1">
+                <a:solidFill>
+                  <a:schemeClr val="tx1"/>
+                </a:solidFill>
+              </a:rPr>
+              <a:t>we</a:t>
+            </a:r>
+            <a:r>
+              <a:rPr lang="it-IT" sz="2400" dirty="0">
+                <a:solidFill>
+                  <a:schemeClr val="tx1"/>
+                </a:solidFill>
+              </a:rPr>
+              <a:t> </a:t>
+            </a:r>
+            <a:r>
+              <a:rPr lang="it-IT" sz="2400" dirty="0" err="1">
+                <a:solidFill>
+                  <a:schemeClr val="tx1"/>
+                </a:solidFill>
+              </a:rPr>
+              <a:t>decided</a:t>
+            </a:r>
+            <a:r>
+              <a:rPr lang="it-IT" sz="2400" dirty="0">
+                <a:solidFill>
+                  <a:schemeClr val="tx1"/>
+                </a:solidFill>
+              </a:rPr>
+              <a:t> to </a:t>
+            </a:r>
+            <a:r>
+              <a:rPr lang="it-IT" sz="2400" dirty="0" err="1">
+                <a:solidFill>
+                  <a:schemeClr val="tx1"/>
+                </a:solidFill>
+              </a:rPr>
+              <a:t>fully</a:t>
+            </a:r>
+            <a:r>
+              <a:rPr lang="it-IT" sz="2400" dirty="0">
+                <a:solidFill>
+                  <a:schemeClr val="tx1"/>
+                </a:solidFill>
+              </a:rPr>
+              <a:t> </a:t>
+            </a:r>
+            <a:r>
+              <a:rPr lang="it-IT" sz="2400" dirty="0" err="1">
+                <a:solidFill>
+                  <a:schemeClr val="tx1"/>
+                </a:solidFill>
+              </a:rPr>
+              <a:t>implement</a:t>
+            </a:r>
+            <a:r>
+              <a:rPr lang="it-IT" sz="2400" dirty="0">
+                <a:solidFill>
+                  <a:schemeClr val="tx1"/>
+                </a:solidFill>
+              </a:rPr>
+              <a:t> </a:t>
+            </a:r>
+            <a:r>
+              <a:rPr lang="it-IT" sz="2400" dirty="0" err="1">
+                <a:solidFill>
+                  <a:schemeClr val="tx1"/>
+                </a:solidFill>
+              </a:rPr>
+              <a:t>is</a:t>
+            </a:r>
+            <a:r>
+              <a:rPr lang="it-IT" sz="2400" dirty="0">
+                <a:solidFill>
+                  <a:schemeClr val="tx1"/>
+                </a:solidFill>
+              </a:rPr>
+              <a:t> the </a:t>
+            </a:r>
+            <a:r>
+              <a:rPr lang="it-IT" sz="2400" dirty="0" err="1">
+                <a:solidFill>
+                  <a:schemeClr val="tx1"/>
+                </a:solidFill>
+              </a:rPr>
+              <a:t>one</a:t>
+            </a:r>
+            <a:r>
+              <a:rPr lang="it-IT" sz="2400" dirty="0">
+                <a:solidFill>
+                  <a:schemeClr val="tx1"/>
+                </a:solidFill>
+              </a:rPr>
+              <a:t> </a:t>
+            </a:r>
+            <a:r>
+              <a:rPr lang="it-IT" sz="2400" dirty="0" err="1">
+                <a:solidFill>
+                  <a:schemeClr val="tx1"/>
+                </a:solidFill>
+              </a:rPr>
+              <a:t>related</a:t>
+            </a:r>
+            <a:r>
+              <a:rPr lang="it-IT" sz="2400" dirty="0">
+                <a:solidFill>
+                  <a:schemeClr val="tx1"/>
+                </a:solidFill>
+              </a:rPr>
+              <a:t> to the </a:t>
+            </a:r>
+            <a:r>
+              <a:rPr lang="it-IT" sz="2400" dirty="0" err="1">
+                <a:solidFill>
+                  <a:schemeClr val="tx1"/>
+                </a:solidFill>
+              </a:rPr>
+              <a:t>device</a:t>
+            </a:r>
+            <a:r>
+              <a:rPr lang="it-IT" sz="2400" dirty="0">
+                <a:solidFill>
+                  <a:schemeClr val="tx1"/>
+                </a:solidFill>
+              </a:rPr>
+              <a:t> «Samsung </a:t>
+            </a:r>
+            <a:r>
+              <a:rPr lang="it-IT" sz="2400" dirty="0" err="1">
+                <a:solidFill>
+                  <a:schemeClr val="tx1"/>
+                </a:solidFill>
+              </a:rPr>
+              <a:t>Galaxy</a:t>
+            </a:r>
+            <a:r>
+              <a:rPr lang="it-IT" sz="2400" dirty="0">
+                <a:solidFill>
+                  <a:schemeClr val="tx1"/>
+                </a:solidFill>
+              </a:rPr>
+              <a:t> S7 </a:t>
+            </a:r>
+            <a:r>
+              <a:rPr lang="it-IT" sz="2400" dirty="0" err="1">
+                <a:solidFill>
+                  <a:schemeClr val="tx1"/>
+                </a:solidFill>
+              </a:rPr>
+              <a:t>edge</a:t>
+            </a:r>
+            <a:r>
+              <a:rPr lang="it-IT" sz="2400" dirty="0">
+                <a:solidFill>
+                  <a:schemeClr val="tx1"/>
+                </a:solidFill>
+              </a:rPr>
+              <a:t>». Using </a:t>
+            </a:r>
+            <a:r>
+              <a:rPr lang="it-IT" sz="2400" dirty="0" err="1">
+                <a:solidFill>
+                  <a:schemeClr val="tx1"/>
+                </a:solidFill>
+              </a:rPr>
+              <a:t>this</a:t>
+            </a:r>
+            <a:r>
+              <a:rPr lang="it-IT" sz="2400" dirty="0">
+                <a:solidFill>
+                  <a:schemeClr val="tx1"/>
+                </a:solidFill>
+              </a:rPr>
+              <a:t> </a:t>
+            </a:r>
+            <a:r>
+              <a:rPr lang="it-IT" sz="2400" dirty="0" err="1">
+                <a:solidFill>
+                  <a:schemeClr val="tx1"/>
+                </a:solidFill>
+              </a:rPr>
+              <a:t>path</a:t>
+            </a:r>
+            <a:r>
+              <a:rPr lang="it-IT" sz="2400" dirty="0">
+                <a:solidFill>
+                  <a:schemeClr val="tx1"/>
+                </a:solidFill>
+              </a:rPr>
+              <a:t> </a:t>
+            </a:r>
+            <a:r>
+              <a:rPr lang="it-IT" sz="2400" dirty="0" err="1">
+                <a:solidFill>
+                  <a:schemeClr val="tx1"/>
+                </a:solidFill>
+              </a:rPr>
+              <a:t>all</a:t>
+            </a:r>
+            <a:r>
+              <a:rPr lang="it-IT" sz="2400" dirty="0">
+                <a:solidFill>
+                  <a:schemeClr val="tx1"/>
+                </a:solidFill>
+              </a:rPr>
+              <a:t> the </a:t>
+            </a:r>
+            <a:r>
+              <a:rPr lang="it-IT" sz="2400" dirty="0" err="1">
+                <a:solidFill>
+                  <a:schemeClr val="tx1"/>
+                </a:solidFill>
+              </a:rPr>
+              <a:t>pages</a:t>
+            </a:r>
+            <a:r>
+              <a:rPr lang="it-IT" sz="2400" dirty="0">
+                <a:solidFill>
+                  <a:schemeClr val="tx1"/>
+                </a:solidFill>
+              </a:rPr>
+              <a:t> of the P-IDM can be </a:t>
+            </a:r>
+            <a:r>
+              <a:rPr lang="it-IT" sz="2400" dirty="0" err="1">
+                <a:solidFill>
+                  <a:schemeClr val="tx1"/>
+                </a:solidFill>
+              </a:rPr>
+              <a:t>visited</a:t>
+            </a:r>
+            <a:r>
+              <a:rPr lang="it-IT" sz="2400" dirty="0">
+                <a:solidFill>
+                  <a:schemeClr val="tx1"/>
+                </a:solidFill>
+              </a:rPr>
+              <a:t> </a:t>
+            </a:r>
+            <a:r>
+              <a:rPr lang="it-IT" sz="2400" dirty="0" err="1">
+                <a:solidFill>
+                  <a:schemeClr val="tx1"/>
+                </a:solidFill>
+              </a:rPr>
+              <a:t>at</a:t>
+            </a:r>
+            <a:r>
+              <a:rPr lang="it-IT" sz="2400" dirty="0">
+                <a:solidFill>
+                  <a:schemeClr val="tx1"/>
+                </a:solidFill>
+              </a:rPr>
+              <a:t> </a:t>
+            </a:r>
+            <a:r>
+              <a:rPr lang="it-IT" sz="2400" dirty="0" err="1">
+                <a:solidFill>
+                  <a:schemeClr val="tx1"/>
+                </a:solidFill>
+              </a:rPr>
+              <a:t>least</a:t>
+            </a:r>
+            <a:r>
+              <a:rPr lang="it-IT" sz="2400" dirty="0">
+                <a:solidFill>
+                  <a:schemeClr val="tx1"/>
+                </a:solidFill>
+              </a:rPr>
+              <a:t> once, </a:t>
+            </a:r>
+            <a:r>
+              <a:rPr lang="it-IT" sz="2400" dirty="0" err="1">
+                <a:solidFill>
+                  <a:schemeClr val="tx1"/>
+                </a:solidFill>
+              </a:rPr>
+              <a:t>except</a:t>
+            </a:r>
+            <a:r>
+              <a:rPr lang="it-IT" sz="2400" dirty="0">
+                <a:solidFill>
+                  <a:schemeClr val="tx1"/>
+                </a:solidFill>
+              </a:rPr>
+              <a:t> for the </a:t>
+            </a:r>
+            <a:r>
+              <a:rPr lang="it-IT" sz="2400" dirty="0" err="1">
+                <a:solidFill>
+                  <a:schemeClr val="tx1"/>
+                </a:solidFill>
+              </a:rPr>
+              <a:t>transition</a:t>
+            </a:r>
+            <a:r>
+              <a:rPr lang="it-IT" sz="2400" dirty="0">
+                <a:solidFill>
+                  <a:schemeClr val="tx1"/>
+                </a:solidFill>
+              </a:rPr>
+              <a:t> </a:t>
+            </a:r>
+            <a:r>
+              <a:rPr lang="it-IT" sz="2400" dirty="0" err="1">
+                <a:solidFill>
+                  <a:schemeClr val="tx1"/>
+                </a:solidFill>
+              </a:rPr>
+              <a:t>pages</a:t>
+            </a:r>
+            <a:r>
+              <a:rPr lang="it-IT" sz="2400" dirty="0">
+                <a:solidFill>
+                  <a:schemeClr val="tx1"/>
+                </a:solidFill>
+              </a:rPr>
+              <a:t> «For Device(s)_1» and «For Device(s</a:t>
+            </a:r>
+            <a:r>
+              <a:rPr lang="it-IT" sz="2400" dirty="0" smtClean="0">
+                <a:solidFill>
+                  <a:schemeClr val="tx1"/>
+                </a:solidFill>
+              </a:rPr>
+              <a:t>)_2», </a:t>
+            </a:r>
+            <a:r>
               <a:rPr lang="it-IT" sz="2400" dirty="0" err="1" smtClean="0">
                 <a:solidFill>
                   <a:schemeClr val="tx1"/>
                 </a:solidFill>
               </a:rPr>
-              <a:t>Since</a:t>
+              <a:t>which</a:t>
             </a:r>
             <a:r>
               <a:rPr lang="it-IT" sz="2400" dirty="0" smtClean="0">
@@ -30892,7 +30649,7 @@
                   <a:schemeClr val="tx1"/>
                 </a:solidFill>
               </a:rPr>
-              <a:t> the </a:t>
+              <a:t> are </a:t>
             </a:r>
             <a:r>
               <a:rPr lang="it-IT" sz="2400" dirty="0" err="1" smtClean="0">
@@ -30900,7 +30657,7 @@
                   <a:schemeClr val="tx1"/>
                 </a:solidFill>
               </a:rPr>
-              <a:t>highlighting</a:t>
+              <a:t>reachable</a:t>
             </a:r>
             <a:r>
               <a:rPr lang="it-IT" sz="2400" dirty="0" smtClean="0">
@@ -30908,7 +30665,7 @@
                   <a:schemeClr val="tx1"/>
                 </a:solidFill>
               </a:rPr>
-              <a:t> of the </a:t>
+              <a:t> </a:t>
             </a:r>
             <a:r>
               <a:rPr lang="it-IT" sz="2400" dirty="0" err="1" smtClean="0">
@@ -30916,7 +30673,7 @@
                   <a:schemeClr val="tx1"/>
                 </a:solidFill>
               </a:rPr>
-              <a:t>clickable</a:t>
+              <a:t>respectively</a:t>
             </a:r>
             <a:r>
               <a:rPr lang="it-IT" sz="2400" dirty="0" smtClean="0">
@@ -30924,7 +30681,7 @@
                   <a:schemeClr val="tx1"/>
                 </a:solidFill>
               </a:rPr>
-              <a:t> </a:t>
+              <a:t> from the «</a:t>
             </a:r>
             <a:r>
               <a:rPr lang="it-IT" sz="2400" dirty="0" err="1" smtClean="0">
@@ -30932,7 +30689,7 @@
                   <a:schemeClr val="tx1"/>
                 </a:solidFill>
               </a:rPr>
-              <a:t>links</a:t>
+              <a:t>Healthwatch</a:t>
             </a:r>
             <a:r>
               <a:rPr lang="it-IT" sz="2400" dirty="0" smtClean="0">
@@ -30940,15 +30697,7 @@
                   <a:schemeClr val="tx1"/>
                 </a:solidFill>
               </a:rPr>
-              <a:t> in the </a:t>
-            </a:r>
-            <a:r>
-              <a:rPr lang="it-IT" sz="2400" dirty="0" err="1" smtClean="0">
-                <a:solidFill>
-                  <a:schemeClr val="tx1"/>
-                </a:solidFill>
-              </a:rPr>
-              <a:t>mockup</a:t>
+              <a:t>» SL service and «Connect to Internet» Assistance service</a:t>
             </a:r>
             <a:r>
               <a:rPr lang="it-IT" sz="2400" dirty="0" smtClean="0">
@@ -30956,237 +30705,545 @@
                   <a:schemeClr val="tx1"/>
                 </a:solidFill>
               </a:rPr>
-              <a:t> </a:t>
-            </a:r>
-            <a:r>
-              <a:rPr lang="it-IT" sz="2400" dirty="0" err="1" smtClean="0">
-                <a:solidFill>
-                  <a:schemeClr val="tx1"/>
-                </a:solidFill>
-              </a:rPr>
-              <a:t>alters</a:t>
-            </a:r>
-            <a:r>
-              <a:rPr lang="it-IT" sz="2400" dirty="0" smtClean="0">
-                <a:solidFill>
-                  <a:schemeClr val="tx1"/>
-                </a:solidFill>
-              </a:rPr>
-              <a:t> the website </a:t>
-            </a:r>
-            <a:r>
-              <a:rPr lang="it-IT" sz="2400" dirty="0" err="1" smtClean="0">
-                <a:solidFill>
-                  <a:schemeClr val="tx1"/>
-                </a:solidFill>
-              </a:rPr>
-              <a:t>visualization</a:t>
-            </a:r>
-            <a:r>
-              <a:rPr lang="it-IT" sz="2400" dirty="0" smtClean="0">
-                <a:solidFill>
-                  <a:schemeClr val="tx1"/>
-                </a:solidFill>
-              </a:rPr>
-              <a:t>, </a:t>
-            </a:r>
-            <a:r>
-              <a:rPr lang="it-IT" sz="2400" dirty="0" err="1" smtClean="0">
-                <a:solidFill>
-                  <a:schemeClr val="tx1"/>
-                </a:solidFill>
-              </a:rPr>
-              <a:t>we</a:t>
-            </a:r>
-            <a:r>
-              <a:rPr lang="it-IT" sz="2400" dirty="0" smtClean="0">
-                <a:solidFill>
-                  <a:schemeClr val="tx1"/>
-                </a:solidFill>
-              </a:rPr>
-              <a:t> </a:t>
-            </a:r>
-            <a:r>
-              <a:rPr lang="it-IT" sz="2400" dirty="0" err="1" smtClean="0">
-                <a:solidFill>
-                  <a:schemeClr val="tx1"/>
-                </a:solidFill>
-              </a:rPr>
-              <a:t>provided</a:t>
-            </a:r>
-            <a:r>
-              <a:rPr lang="it-IT" sz="2400" dirty="0" smtClean="0">
-                <a:solidFill>
-                  <a:schemeClr val="tx1"/>
-                </a:solidFill>
-              </a:rPr>
-              <a:t> </a:t>
-            </a:r>
-            <a:r>
-              <a:rPr lang="it-IT" sz="2400" dirty="0" err="1" smtClean="0">
-                <a:solidFill>
-                  <a:schemeClr val="tx1"/>
-                </a:solidFill>
-              </a:rPr>
-              <a:t>two</a:t>
-            </a:r>
-            <a:r>
-              <a:rPr lang="it-IT" sz="2400" dirty="0" smtClean="0">
-                <a:solidFill>
-                  <a:schemeClr val="tx1"/>
-                </a:solidFill>
-              </a:rPr>
-              <a:t> </a:t>
-            </a:r>
-            <a:r>
-              <a:rPr lang="it-IT" sz="2400" dirty="0" err="1" smtClean="0">
-                <a:solidFill>
-                  <a:schemeClr val="tx1"/>
-                </a:solidFill>
-              </a:rPr>
-              <a:t>versions</a:t>
-            </a:r>
-            <a:r>
-              <a:rPr lang="it-IT" sz="2400" dirty="0" smtClean="0">
-                <a:solidFill>
-                  <a:schemeClr val="tx1"/>
-                </a:solidFill>
-              </a:rPr>
-              <a:t> of the </a:t>
-            </a:r>
-            <a:r>
-              <a:rPr lang="it-IT" sz="2400" dirty="0" err="1" smtClean="0">
-                <a:solidFill>
-                  <a:schemeClr val="tx1"/>
-                </a:solidFill>
-              </a:rPr>
-              <a:t>mockup</a:t>
-            </a:r>
-            <a:r>
-              <a:rPr lang="it-IT" sz="2400" dirty="0" smtClean="0">
-                <a:solidFill>
-                  <a:schemeClr val="tx1"/>
-                </a:solidFill>
-              </a:rPr>
-              <a:t> </a:t>
-            </a:r>
-            <a:r>
-              <a:rPr lang="it-IT" sz="2400" dirty="0" err="1" smtClean="0">
-                <a:solidFill>
-                  <a:schemeClr val="tx1"/>
-                </a:solidFill>
-              </a:rPr>
-              <a:t>document</a:t>
-            </a:r>
-            <a:r>
-              <a:rPr lang="it-IT" sz="2400" dirty="0" smtClean="0">
-                <a:solidFill>
-                  <a:schemeClr val="tx1"/>
-                </a:solidFill>
-              </a:rPr>
-              <a:t>: </a:t>
-            </a:r>
-            <a:r>
-              <a:rPr lang="it-IT" sz="2400" dirty="0" err="1" smtClean="0">
-                <a:solidFill>
-                  <a:schemeClr val="tx1"/>
-                </a:solidFill>
-              </a:rPr>
-              <a:t>one</a:t>
-            </a:r>
-            <a:r>
-              <a:rPr lang="it-IT" sz="2400" dirty="0" smtClean="0">
-                <a:solidFill>
-                  <a:schemeClr val="tx1"/>
-                </a:solidFill>
-              </a:rPr>
-              <a:t> with the </a:t>
-            </a:r>
-            <a:r>
-              <a:rPr lang="it-IT" sz="2400" dirty="0" err="1" smtClean="0">
-                <a:solidFill>
-                  <a:schemeClr val="tx1"/>
-                </a:solidFill>
-              </a:rPr>
-              <a:t>original</a:t>
-            </a:r>
-            <a:r>
-              <a:rPr lang="it-IT" sz="2400" dirty="0" smtClean="0">
-                <a:solidFill>
-                  <a:schemeClr val="tx1"/>
-                </a:solidFill>
-              </a:rPr>
-              <a:t> </a:t>
-            </a:r>
-            <a:r>
-              <a:rPr lang="it-IT" sz="2400" dirty="0" err="1" smtClean="0">
-                <a:solidFill>
-                  <a:schemeClr val="tx1"/>
-                </a:solidFill>
-              </a:rPr>
-              <a:t>aspect</a:t>
-            </a:r>
-            <a:r>
-              <a:rPr lang="it-IT" sz="2400" dirty="0" smtClean="0">
-                <a:solidFill>
-                  <a:schemeClr val="tx1"/>
-                </a:solidFill>
-              </a:rPr>
-              <a:t>, and </a:t>
-            </a:r>
-            <a:r>
-              <a:rPr lang="it-IT" sz="2400" dirty="0" err="1" smtClean="0">
-                <a:solidFill>
-                  <a:schemeClr val="tx1"/>
-                </a:solidFill>
-              </a:rPr>
-              <a:t>one</a:t>
-            </a:r>
-            <a:r>
-              <a:rPr lang="it-IT" sz="2400" dirty="0" smtClean="0">
-                <a:solidFill>
-                  <a:schemeClr val="tx1"/>
-                </a:solidFill>
-              </a:rPr>
-              <a:t> with the </a:t>
-            </a:r>
-            <a:r>
-              <a:rPr lang="it-IT" sz="2400" dirty="0" err="1" smtClean="0">
-                <a:solidFill>
-                  <a:schemeClr val="tx1"/>
-                </a:solidFill>
-              </a:rPr>
-              <a:t>highlighted</a:t>
-            </a:r>
-            <a:r>
-              <a:rPr lang="it-IT" sz="2400" dirty="0" smtClean="0">
-                <a:solidFill>
-                  <a:schemeClr val="tx1"/>
-                </a:solidFill>
-              </a:rPr>
-              <a:t> </a:t>
-            </a:r>
-            <a:r>
-              <a:rPr lang="it-IT" sz="2400" dirty="0" err="1" smtClean="0">
-                <a:solidFill>
-                  <a:schemeClr val="tx1"/>
-                </a:solidFill>
-              </a:rPr>
-              <a:t>links</a:t>
-            </a:r>
-            <a:r>
-              <a:rPr lang="it-IT" sz="2400" dirty="0" smtClean="0">
-                <a:solidFill>
-                  <a:schemeClr val="tx1"/>
-                </a:solidFill>
-              </a:rPr>
               <a:t>.</a:t>
             </a:r>
-            <a:endParaRPr lang="it-IT" sz="2400" dirty="0">
+          </a:p>
+          <a:p>
+            <a:pPr marL="457200" indent="-457200" algn="l">
+              <a:buFont typeface="Arial" panose="020B0604020202020204" pitchFamily="34" charset="0"/>
+              <a:buChar char="•"/>
+            </a:pPr>
+            <a:endParaRPr lang="it-IT" sz="2400" dirty="0" smtClean="0">
               <a:solidFill>
                 <a:schemeClr val="tx1"/>
               </a:solidFill>
             </a:endParaRPr>
+          </a:p>
+          <a:p>
+            <a:pPr marL="457200" indent="-457200" algn="l">
+              <a:buFont typeface="Arial" panose="020B0604020202020204" pitchFamily="34" charset="0"/>
+              <a:buChar char="•"/>
+            </a:pPr>
+            <a:r>
+              <a:rPr lang="it-IT" sz="2400" dirty="0" err="1" smtClean="0">
+                <a:solidFill>
+                  <a:schemeClr val="tx1"/>
+                </a:solidFill>
+              </a:rPr>
+              <a:t>As</a:t>
+            </a:r>
+            <a:r>
+              <a:rPr lang="it-IT" sz="2400" dirty="0" smtClean="0">
+                <a:solidFill>
+                  <a:schemeClr val="tx1"/>
+                </a:solidFill>
+              </a:rPr>
+              <a:t> for the </a:t>
+            </a:r>
+            <a:r>
+              <a:rPr lang="it-IT" sz="2400" dirty="0" err="1" smtClean="0">
+                <a:solidFill>
+                  <a:schemeClr val="tx1"/>
+                </a:solidFill>
+              </a:rPr>
+              <a:t>orientation</a:t>
+            </a:r>
+            <a:r>
+              <a:rPr lang="it-IT" sz="2400" dirty="0" smtClean="0">
+                <a:solidFill>
+                  <a:schemeClr val="tx1"/>
+                </a:solidFill>
+              </a:rPr>
+              <a:t> info, in </a:t>
+            </a:r>
+            <a:r>
+              <a:rPr lang="it-IT" sz="2400" dirty="0" err="1" smtClean="0">
+                <a:solidFill>
+                  <a:schemeClr val="tx1"/>
+                </a:solidFill>
+              </a:rPr>
+              <a:t>order</a:t>
+            </a:r>
+            <a:r>
+              <a:rPr lang="it-IT" sz="2400" dirty="0" smtClean="0">
+                <a:solidFill>
+                  <a:schemeClr val="tx1"/>
+                </a:solidFill>
+              </a:rPr>
+              <a:t> to </a:t>
+            </a:r>
+            <a:r>
+              <a:rPr lang="it-IT" sz="2400" dirty="0" err="1" smtClean="0">
+                <a:solidFill>
+                  <a:schemeClr val="tx1"/>
+                </a:solidFill>
+              </a:rPr>
+              <a:t>keep</a:t>
+            </a:r>
+            <a:r>
+              <a:rPr lang="it-IT" sz="2400" dirty="0" smtClean="0">
+                <a:solidFill>
+                  <a:schemeClr val="tx1"/>
+                </a:solidFill>
+              </a:rPr>
+              <a:t> </a:t>
+            </a:r>
+            <a:r>
+              <a:rPr lang="it-IT" sz="2400" dirty="0" err="1" smtClean="0">
+                <a:solidFill>
+                  <a:schemeClr val="tx1"/>
+                </a:solidFill>
+              </a:rPr>
+              <a:t>it</a:t>
+            </a:r>
+            <a:r>
+              <a:rPr lang="it-IT" sz="2400" dirty="0" smtClean="0">
+                <a:solidFill>
+                  <a:schemeClr val="tx1"/>
+                </a:solidFill>
+              </a:rPr>
+              <a:t> </a:t>
+            </a:r>
+            <a:r>
+              <a:rPr lang="it-IT" sz="2400" dirty="0" err="1" smtClean="0">
+                <a:solidFill>
+                  <a:schemeClr val="tx1"/>
+                </a:solidFill>
+              </a:rPr>
+              <a:t>not</a:t>
+            </a:r>
+            <a:r>
+              <a:rPr lang="it-IT" sz="2400" dirty="0" smtClean="0">
+                <a:solidFill>
+                  <a:schemeClr val="tx1"/>
+                </a:solidFill>
+              </a:rPr>
+              <a:t> </a:t>
+            </a:r>
+            <a:r>
+              <a:rPr lang="it-IT" sz="2400" dirty="0" err="1" smtClean="0">
+                <a:solidFill>
+                  <a:schemeClr val="tx1"/>
+                </a:solidFill>
+              </a:rPr>
+              <a:t>too</a:t>
+            </a:r>
+            <a:r>
+              <a:rPr lang="it-IT" sz="2400" dirty="0" smtClean="0">
+                <a:solidFill>
+                  <a:schemeClr val="tx1"/>
+                </a:solidFill>
+              </a:rPr>
+              <a:t> long, </a:t>
+            </a:r>
+            <a:r>
+              <a:rPr lang="it-IT" sz="2400" dirty="0" err="1" smtClean="0">
+                <a:solidFill>
+                  <a:schemeClr val="tx1"/>
+                </a:solidFill>
+              </a:rPr>
+              <a:t>we</a:t>
+            </a:r>
+            <a:r>
+              <a:rPr lang="it-IT" sz="2400" dirty="0" smtClean="0">
+                <a:solidFill>
+                  <a:schemeClr val="tx1"/>
+                </a:solidFill>
+              </a:rPr>
+              <a:t> </a:t>
+            </a:r>
+            <a:r>
+              <a:rPr lang="it-IT" sz="2400" dirty="0" err="1" smtClean="0">
+                <a:solidFill>
+                  <a:schemeClr val="tx1"/>
+                </a:solidFill>
+              </a:rPr>
+              <a:t>decided</a:t>
+            </a:r>
+            <a:r>
+              <a:rPr lang="it-IT" sz="2400" dirty="0" smtClean="0">
+                <a:solidFill>
+                  <a:schemeClr val="tx1"/>
+                </a:solidFill>
+              </a:rPr>
+              <a:t> </a:t>
+            </a:r>
+            <a:r>
+              <a:rPr lang="it-IT" sz="2400" dirty="0" err="1" smtClean="0">
+                <a:solidFill>
+                  <a:schemeClr val="tx1"/>
+                </a:solidFill>
+              </a:rPr>
+              <a:t>that</a:t>
+            </a:r>
+            <a:r>
+              <a:rPr lang="it-IT" sz="2400" dirty="0" smtClean="0">
+                <a:solidFill>
+                  <a:schemeClr val="tx1"/>
+                </a:solidFill>
+              </a:rPr>
+              <a:t> </a:t>
+            </a:r>
+            <a:r>
+              <a:rPr lang="it-IT" sz="2400" dirty="0" err="1" smtClean="0">
+                <a:solidFill>
+                  <a:schemeClr val="tx1"/>
+                </a:solidFill>
+              </a:rPr>
+              <a:t>if</a:t>
+            </a:r>
+            <a:r>
+              <a:rPr lang="it-IT" sz="2400" dirty="0" smtClean="0">
+                <a:solidFill>
+                  <a:schemeClr val="tx1"/>
+                </a:solidFill>
+              </a:rPr>
+              <a:t> the </a:t>
+            </a:r>
+            <a:r>
+              <a:rPr lang="it-IT" sz="2400" dirty="0" err="1" smtClean="0">
+                <a:solidFill>
+                  <a:schemeClr val="tx1"/>
+                </a:solidFill>
+              </a:rPr>
+              <a:t>user</a:t>
+            </a:r>
+            <a:r>
+              <a:rPr lang="it-IT" sz="2400" dirty="0" smtClean="0">
+                <a:solidFill>
+                  <a:schemeClr val="tx1"/>
+                </a:solidFill>
+              </a:rPr>
+              <a:t> </a:t>
+            </a:r>
+            <a:r>
+              <a:rPr lang="it-IT" sz="2400" dirty="0" err="1" smtClean="0">
+                <a:solidFill>
+                  <a:schemeClr val="tx1"/>
+                </a:solidFill>
+              </a:rPr>
+              <a:t>makes</a:t>
+            </a:r>
+            <a:r>
+              <a:rPr lang="it-IT" sz="2400" dirty="0" smtClean="0">
+                <a:solidFill>
+                  <a:schemeClr val="tx1"/>
+                </a:solidFill>
+              </a:rPr>
+              <a:t> a single </a:t>
+            </a:r>
+            <a:r>
+              <a:rPr lang="it-IT" sz="2400" dirty="0" err="1" smtClean="0">
+                <a:solidFill>
+                  <a:schemeClr val="tx1"/>
+                </a:solidFill>
+              </a:rPr>
+              <a:t>transition</a:t>
+            </a:r>
+            <a:r>
+              <a:rPr lang="it-IT" sz="2400" dirty="0" smtClean="0">
+                <a:solidFill>
+                  <a:schemeClr val="tx1"/>
+                </a:solidFill>
+              </a:rPr>
+              <a:t> </a:t>
+            </a:r>
+            <a:r>
+              <a:rPr lang="it-IT" sz="2400" dirty="0" err="1" smtClean="0">
+                <a:solidFill>
+                  <a:schemeClr val="tx1"/>
+                </a:solidFill>
+              </a:rPr>
+              <a:t>between</a:t>
+            </a:r>
+            <a:r>
+              <a:rPr lang="it-IT" sz="2400" dirty="0" smtClean="0">
+                <a:solidFill>
+                  <a:schemeClr val="tx1"/>
+                </a:solidFill>
+              </a:rPr>
+              <a:t> </a:t>
+            </a:r>
+            <a:r>
+              <a:rPr lang="it-IT" sz="2400" dirty="0" err="1" smtClean="0">
+                <a:solidFill>
+                  <a:schemeClr val="tx1"/>
+                </a:solidFill>
+              </a:rPr>
+              <a:t>two</a:t>
+            </a:r>
+            <a:r>
+              <a:rPr lang="it-IT" sz="2400" dirty="0" smtClean="0">
+                <a:solidFill>
+                  <a:schemeClr val="tx1"/>
+                </a:solidFill>
+              </a:rPr>
+              <a:t> multiple </a:t>
+            </a:r>
+            <a:r>
+              <a:rPr lang="it-IT" sz="2400" dirty="0" err="1" smtClean="0">
+                <a:solidFill>
+                  <a:schemeClr val="tx1"/>
+                </a:solidFill>
+              </a:rPr>
+              <a:t>topics</a:t>
+            </a:r>
+            <a:r>
+              <a:rPr lang="it-IT" sz="2400" dirty="0" smtClean="0">
+                <a:solidFill>
+                  <a:schemeClr val="tx1"/>
+                </a:solidFill>
+              </a:rPr>
+              <a:t>, the </a:t>
+            </a:r>
+            <a:r>
+              <a:rPr lang="it-IT" sz="2400" dirty="0" err="1" smtClean="0">
+                <a:solidFill>
+                  <a:schemeClr val="tx1"/>
+                </a:solidFill>
+              </a:rPr>
+              <a:t>orientation</a:t>
+            </a:r>
+            <a:r>
+              <a:rPr lang="it-IT" sz="2400" dirty="0" smtClean="0">
+                <a:solidFill>
+                  <a:schemeClr val="tx1"/>
+                </a:solidFill>
+              </a:rPr>
+              <a:t> info </a:t>
+            </a:r>
+            <a:r>
+              <a:rPr lang="it-IT" sz="2400" dirty="0" err="1" smtClean="0">
+                <a:solidFill>
+                  <a:schemeClr val="tx1"/>
+                </a:solidFill>
+              </a:rPr>
+              <a:t>follows</a:t>
+            </a:r>
+            <a:r>
+              <a:rPr lang="it-IT" sz="2400" dirty="0" smtClean="0">
+                <a:solidFill>
+                  <a:schemeClr val="tx1"/>
+                </a:solidFill>
+              </a:rPr>
+              <a:t> the </a:t>
+            </a:r>
+            <a:r>
+              <a:rPr lang="it-IT" sz="2400" dirty="0" err="1" smtClean="0">
+                <a:solidFill>
+                  <a:schemeClr val="tx1"/>
+                </a:solidFill>
+              </a:rPr>
+              <a:t>same</a:t>
+            </a:r>
+            <a:r>
+              <a:rPr lang="it-IT" sz="2400" dirty="0" smtClean="0">
+                <a:solidFill>
+                  <a:schemeClr val="tx1"/>
+                </a:solidFill>
+              </a:rPr>
+              <a:t> </a:t>
+            </a:r>
+            <a:r>
+              <a:rPr lang="it-IT" sz="2400" dirty="0" err="1" smtClean="0">
+                <a:solidFill>
+                  <a:schemeClr val="tx1"/>
+                </a:solidFill>
+              </a:rPr>
+              <a:t>path</a:t>
+            </a:r>
+            <a:r>
+              <a:rPr lang="it-IT" sz="2400" dirty="0" smtClean="0">
+                <a:solidFill>
+                  <a:schemeClr val="tx1"/>
+                </a:solidFill>
+              </a:rPr>
+              <a:t>; </a:t>
+            </a:r>
+            <a:r>
+              <a:rPr lang="it-IT" sz="2400" dirty="0" err="1" smtClean="0">
+                <a:solidFill>
+                  <a:schemeClr val="tx1"/>
+                </a:solidFill>
+              </a:rPr>
+              <a:t>at</a:t>
+            </a:r>
+            <a:r>
+              <a:rPr lang="it-IT" sz="2400" dirty="0" smtClean="0">
+                <a:solidFill>
+                  <a:schemeClr val="tx1"/>
+                </a:solidFill>
+              </a:rPr>
+              <a:t> the </a:t>
+            </a:r>
+            <a:r>
+              <a:rPr lang="it-IT" sz="2400" dirty="0" err="1" smtClean="0">
+                <a:solidFill>
+                  <a:schemeClr val="tx1"/>
+                </a:solidFill>
+              </a:rPr>
+              <a:t>second</a:t>
+            </a:r>
+            <a:r>
+              <a:rPr lang="it-IT" sz="2400" dirty="0" smtClean="0">
+                <a:solidFill>
+                  <a:schemeClr val="tx1"/>
+                </a:solidFill>
+              </a:rPr>
+              <a:t> </a:t>
+            </a:r>
+            <a:r>
+              <a:rPr lang="it-IT" sz="2400" dirty="0" err="1" smtClean="0">
+                <a:solidFill>
+                  <a:schemeClr val="tx1"/>
+                </a:solidFill>
+              </a:rPr>
+              <a:t>transition</a:t>
+            </a:r>
+            <a:r>
+              <a:rPr lang="it-IT" sz="2400" dirty="0" smtClean="0">
+                <a:solidFill>
+                  <a:schemeClr val="tx1"/>
+                </a:solidFill>
+              </a:rPr>
+              <a:t> of </a:t>
+            </a:r>
+            <a:r>
+              <a:rPr lang="it-IT" sz="2400" dirty="0" err="1" smtClean="0">
+                <a:solidFill>
+                  <a:schemeClr val="tx1"/>
+                </a:solidFill>
+              </a:rPr>
+              <a:t>topic</a:t>
+            </a:r>
+            <a:r>
+              <a:rPr lang="it-IT" sz="2400" dirty="0" smtClean="0">
+                <a:solidFill>
+                  <a:schemeClr val="tx1"/>
+                </a:solidFill>
+              </a:rPr>
+              <a:t> </a:t>
+            </a:r>
+            <a:r>
+              <a:rPr lang="it-IT" sz="2400" dirty="0" err="1" smtClean="0">
+                <a:solidFill>
+                  <a:schemeClr val="tx1"/>
+                </a:solidFill>
+              </a:rPr>
+              <a:t>instead</a:t>
+            </a:r>
+            <a:r>
+              <a:rPr lang="it-IT" sz="2400" dirty="0" smtClean="0">
+                <a:solidFill>
+                  <a:schemeClr val="tx1"/>
+                </a:solidFill>
+              </a:rPr>
+              <a:t>, the </a:t>
+            </a:r>
+            <a:r>
+              <a:rPr lang="it-IT" sz="2400" dirty="0" err="1" smtClean="0">
+                <a:solidFill>
+                  <a:schemeClr val="tx1"/>
+                </a:solidFill>
+              </a:rPr>
+              <a:t>path</a:t>
+            </a:r>
+            <a:r>
+              <a:rPr lang="it-IT" sz="2400" dirty="0" smtClean="0">
+                <a:solidFill>
+                  <a:schemeClr val="tx1"/>
+                </a:solidFill>
+              </a:rPr>
+              <a:t> </a:t>
+            </a:r>
+            <a:r>
+              <a:rPr lang="it-IT" sz="2400" dirty="0" err="1" smtClean="0">
+                <a:solidFill>
+                  <a:schemeClr val="tx1"/>
+                </a:solidFill>
+              </a:rPr>
+              <a:t>is</a:t>
+            </a:r>
+            <a:r>
+              <a:rPr lang="it-IT" sz="2400" dirty="0" smtClean="0">
+                <a:solidFill>
+                  <a:schemeClr val="tx1"/>
+                </a:solidFill>
+              </a:rPr>
+              <a:t> </a:t>
+            </a:r>
+            <a:r>
+              <a:rPr lang="it-IT" sz="2400" dirty="0" err="1" smtClean="0">
+                <a:solidFill>
+                  <a:schemeClr val="tx1"/>
+                </a:solidFill>
+              </a:rPr>
+              <a:t>resetted</a:t>
+            </a:r>
+            <a:r>
+              <a:rPr lang="it-IT" sz="2400" dirty="0" smtClean="0">
+                <a:solidFill>
+                  <a:schemeClr val="tx1"/>
+                </a:solidFill>
+              </a:rPr>
+              <a:t> to the default </a:t>
+            </a:r>
+            <a:r>
+              <a:rPr lang="it-IT" sz="2400" dirty="0" err="1" smtClean="0">
+                <a:solidFill>
+                  <a:schemeClr val="tx1"/>
+                </a:solidFill>
+              </a:rPr>
+              <a:t>one</a:t>
+            </a:r>
+            <a:r>
+              <a:rPr lang="it-IT" sz="2400" dirty="0">
+                <a:solidFill>
+                  <a:schemeClr val="tx1"/>
+                </a:solidFill>
+              </a:rPr>
+              <a:t> </a:t>
+            </a:r>
+            <a:r>
+              <a:rPr lang="it-IT" sz="2400" dirty="0" smtClean="0">
+                <a:solidFill>
+                  <a:schemeClr val="tx1"/>
+                </a:solidFill>
+              </a:rPr>
+              <a:t>(from the </a:t>
+            </a:r>
+            <a:r>
+              <a:rPr lang="it-IT" sz="2400" dirty="0" err="1" smtClean="0">
+                <a:solidFill>
+                  <a:schemeClr val="tx1"/>
+                </a:solidFill>
+              </a:rPr>
+              <a:t>corresponding</a:t>
+            </a:r>
+            <a:r>
+              <a:rPr lang="it-IT" sz="2400" dirty="0" smtClean="0">
+                <a:solidFill>
+                  <a:schemeClr val="tx1"/>
+                </a:solidFill>
+              </a:rPr>
+              <a:t> </a:t>
+            </a:r>
+            <a:r>
+              <a:rPr lang="it-IT" sz="2400" dirty="0" err="1" smtClean="0">
+                <a:solidFill>
+                  <a:schemeClr val="tx1"/>
+                </a:solidFill>
+              </a:rPr>
+              <a:t>category</a:t>
+            </a:r>
+            <a:r>
+              <a:rPr lang="it-IT" sz="2400" dirty="0" smtClean="0">
+                <a:solidFill>
+                  <a:schemeClr val="tx1"/>
+                </a:solidFill>
+              </a:rPr>
+              <a:t> to the page). </a:t>
+            </a:r>
           </a:p>
           <a:p>
             <a:pPr marL="457200" indent="-457200" algn="l">
